--- a/undergraduate/lectures/tracing.pptx
+++ b/undergraduate/lectures/tracing.pptx
@@ -5,7 +5,7 @@
     <p:sldMasterId id="2147483786" r:id="rId1"/>
   </p:sldMasterIdLst>
   <p:notesMasterIdLst>
-    <p:notesMasterId r:id="rId30"/>
+    <p:notesMasterId r:id="rId32"/>
   </p:notesMasterIdLst>
   <p:sldIdLst>
     <p:sldId id="256" r:id="rId2"/>
@@ -35,7 +35,9 @@
     <p:sldId id="281" r:id="rId26"/>
     <p:sldId id="282" r:id="rId27"/>
     <p:sldId id="283" r:id="rId28"/>
-    <p:sldId id="284" r:id="rId29"/>
+    <p:sldId id="285" r:id="rId29"/>
+    <p:sldId id="286" r:id="rId30"/>
+    <p:sldId id="284" r:id="rId31"/>
   </p:sldIdLst>
   <p:sldSz cx="12192000" cy="6858000"/>
   <p:notesSz cx="6858000" cy="9144000"/>
@@ -224,7 +226,7 @@
           <a:p>
             <a:fld id="{EC53E720-1243-6043-B4C4-6E31C619CC0A}" type="datetimeFigureOut">
               <a:rPr lang="en-US" smtClean="0"/>
-              <a:t>2/2/17</a:t>
+              <a:t>2/21/17</a:t>
             </a:fld>
             <a:endParaRPr lang="en-US"/>
           </a:p>
@@ -723,7 +725,7 @@
           <a:p>
             <a:fld id="{6FD7C7D2-3843-074D-9A83-F18DE7D7DD8A}" type="datetime1">
               <a:rPr lang="en-US" smtClean="0"/>
-              <a:t>2/2/17</a:t>
+              <a:t>2/21/17</a:t>
             </a:fld>
             <a:endParaRPr lang="en-US"/>
           </a:p>
@@ -1002,7 +1004,7 @@
           <a:p>
             <a:fld id="{1845299F-DBA6-8144-8C5D-0535750AFB51}" type="datetime1">
               <a:rPr lang="en-US" smtClean="0"/>
-              <a:t>2/2/17</a:t>
+              <a:t>2/21/17</a:t>
             </a:fld>
             <a:endParaRPr lang="en-US"/>
           </a:p>
@@ -1257,7 +1259,7 @@
           <a:p>
             <a:fld id="{F317D0FE-1E91-D842-A8A8-8B23377F1877}" type="datetime1">
               <a:rPr lang="en-US" smtClean="0"/>
-              <a:t>2/2/17</a:t>
+              <a:t>2/21/17</a:t>
             </a:fld>
             <a:endParaRPr lang="en-US"/>
           </a:p>
@@ -1435,7 +1437,7 @@
           <a:p>
             <a:fld id="{BC4AE5AA-C6FF-5A4F-9D02-E3454F0B3602}" type="datetime1">
               <a:rPr lang="en-US" smtClean="0"/>
-              <a:t>2/2/17</a:t>
+              <a:t>2/21/17</a:t>
             </a:fld>
             <a:endParaRPr lang="en-US"/>
           </a:p>
@@ -1784,7 +1786,7 @@
           <a:p>
             <a:fld id="{3970F026-0185-804B-BF05-EA6EC33EA811}" type="datetime1">
               <a:rPr lang="en-US" smtClean="0"/>
-              <a:t>2/2/17</a:t>
+              <a:t>2/21/17</a:t>
             </a:fld>
             <a:endParaRPr lang="en-US"/>
           </a:p>
@@ -2078,7 +2080,7 @@
           <a:p>
             <a:fld id="{DE81AA58-E2C3-4F48-B04E-18D114E0E0D1}" type="datetime1">
               <a:rPr lang="en-US" smtClean="0"/>
-              <a:t>2/2/17</a:t>
+              <a:t>2/21/17</a:t>
             </a:fld>
             <a:endParaRPr lang="en-US" dirty="0"/>
           </a:p>
@@ -2465,7 +2467,7 @@
           <a:p>
             <a:fld id="{6EC7CDD8-D400-0544-8ADA-779D39154084}" type="datetime1">
               <a:rPr lang="en-US" smtClean="0"/>
-              <a:t>2/2/17</a:t>
+              <a:t>2/21/17</a:t>
             </a:fld>
             <a:endParaRPr lang="en-US"/>
           </a:p>
@@ -2589,7 +2591,7 @@
           <a:p>
             <a:fld id="{9FC8F57C-E466-5D4A-8BA1-0F2DC96E6599}" type="datetime1">
               <a:rPr lang="en-US" smtClean="0"/>
-              <a:t>2/2/17</a:t>
+              <a:t>2/21/17</a:t>
             </a:fld>
             <a:endParaRPr lang="en-US"/>
           </a:p>
@@ -2766,7 +2768,7 @@
           <a:p>
             <a:fld id="{DBF46B55-EA12-F74C-9AED-0C94E9DB5CD6}" type="datetime1">
               <a:rPr lang="en-US" smtClean="0"/>
-              <a:t>2/2/17</a:t>
+              <a:t>2/21/17</a:t>
             </a:fld>
             <a:endParaRPr lang="en-US"/>
           </a:p>
@@ -3126,7 +3128,7 @@
           <a:p>
             <a:fld id="{E5E2A1D4-BDD0-AA4F-B33D-67E210B458F1}" type="datetime1">
               <a:rPr lang="en-US" smtClean="0"/>
-              <a:t>2/2/17</a:t>
+              <a:t>2/21/17</a:t>
             </a:fld>
             <a:endParaRPr lang="en-US"/>
           </a:p>
@@ -3511,7 +3513,7 @@
           <a:p>
             <a:fld id="{D826F452-4A85-5248-B350-1D6DEB55B823}" type="datetime1">
               <a:rPr lang="en-US" smtClean="0"/>
-              <a:t>2/2/17</a:t>
+              <a:t>2/21/17</a:t>
             </a:fld>
             <a:endParaRPr lang="en-US"/>
           </a:p>
@@ -3798,7 +3800,7 @@
             <a:fld id="{53287F0B-3DC9-8F47-B5AF-DFDDA54774AE}" type="datetime1">
               <a:rPr lang="en-US" smtClean="0"/>
               <a:pPr/>
-              <a:t>2/2/17</a:t>
+              <a:t>2/21/17</a:t>
             </a:fld>
             <a:endParaRPr lang="en-US" dirty="0"/>
           </a:p>
@@ -4418,7 +4420,6 @@
               <a:rPr lang="en-US" dirty="0"/>
               <a:t>Introduction to Operating Systems</a:t>
             </a:r>
-            <a:endParaRPr lang="en-US" dirty="0"/>
           </a:p>
         </p:txBody>
       </p:sp>
@@ -4451,7 +4452,6 @@
               <a:rPr lang="en-US" dirty="0" smtClean="0"/>
               <a:t>experimentation</a:t>
             </a:r>
-            <a:endParaRPr lang="en-US" dirty="0" smtClean="0"/>
           </a:p>
           <a:p>
             <a:r>
@@ -5658,13 +5658,12 @@
         <p:spPr/>
         <p:txBody>
           <a:bodyPr>
-            <a:normAutofit fontScale="55000" lnSpcReduction="20000"/>
+            <a:normAutofit/>
           </a:bodyPr>
           <a:lstStyle/>
           <a:p>
-            <a:pPr marL="457200" indent="-457200">
-              <a:buFont typeface="+mj-lt"/>
-              <a:buAutoNum type="arabicPeriod"/>
+            <a:pPr marL="0" indent="0" algn="ctr">
+              <a:buNone/>
             </a:pPr>
             <a:r>
               <a:rPr lang="en-US" dirty="0" err="1"/>
@@ -5680,235 +5679,28 @@
             </a:r>
             <a:r>
               <a:rPr lang="en-US" dirty="0"/>
-              <a:t> ::: entry { @[</a:t>
-            </a:r>
-            <a:r>
-              <a:rPr lang="en-US" dirty="0" err="1"/>
+              <a:t> ::: </a:t>
+            </a:r>
+            <a:r>
+              <a:rPr lang="en-US" dirty="0" smtClean="0"/>
+              <a:t>entry </a:t>
+            </a:r>
+            <a:r>
+              <a:rPr lang="en-US" dirty="0"/>
+              <a:t>{ @[</a:t>
+            </a:r>
+            <a:r>
+              <a:rPr lang="en-US" dirty="0" err="1" smtClean="0"/>
               <a:t>probefunc</a:t>
             </a:r>
             <a:r>
               <a:rPr lang="en-US" dirty="0"/>
-              <a:t>] = count(); } ’</a:t>
-            </a:r>
-          </a:p>
-          <a:p>
-            <a:pPr marL="457200" indent="-457200">
-              <a:buFont typeface="+mj-lt"/>
-              <a:buAutoNum type="arabicPeriod"/>
-            </a:pPr>
-            <a:r>
-              <a:rPr lang="en-US" dirty="0"/>
-              <a:t>     </a:t>
-            </a:r>
-            <a:r>
-              <a:rPr lang="en-US" dirty="0" err="1"/>
-              <a:t>dtrace</a:t>
-            </a:r>
-            <a:r>
-              <a:rPr lang="en-US" dirty="0"/>
-              <a:t> : description ^C</a:t>
-            </a:r>
-          </a:p>
-          <a:p>
-            <a:pPr marL="457200" indent="-457200">
-              <a:buFont typeface="+mj-lt"/>
-              <a:buAutoNum type="arabicPeriod"/>
-            </a:pPr>
-            <a:r>
-              <a:rPr lang="en-US" dirty="0" err="1"/>
-              <a:t>fstat</a:t>
-            </a:r>
-            <a:r>
-              <a:rPr lang="en-US" dirty="0"/>
-              <a:t> </a:t>
-            </a:r>
-            <a:r>
-              <a:rPr lang="en-US" dirty="0" err="1"/>
-              <a:t>setitimer</a:t>
-            </a:r>
-            <a:r>
-              <a:rPr lang="en-US" dirty="0"/>
-              <a:t> </a:t>
-            </a:r>
-            <a:r>
-              <a:rPr lang="en-US" dirty="0" err="1"/>
-              <a:t>getpid</a:t>
-            </a:r>
-            <a:r>
-              <a:rPr lang="en-US" dirty="0"/>
-              <a:t> read </a:t>
-            </a:r>
-            <a:r>
-              <a:rPr lang="en-US" dirty="0" err="1"/>
-              <a:t>sigreturn</a:t>
-            </a:r>
-            <a:r>
-              <a:rPr lang="en-US" dirty="0"/>
-              <a:t> write </a:t>
-            </a:r>
-            <a:r>
-              <a:rPr lang="en-US" dirty="0" err="1"/>
-              <a:t>getsockopt</a:t>
-            </a:r>
-            <a:r>
-              <a:rPr lang="en-US" dirty="0"/>
-              <a:t> select </a:t>
-            </a:r>
-            <a:r>
-              <a:rPr lang="en-US" dirty="0" err="1"/>
-              <a:t>sigaction</a:t>
-            </a:r>
-            <a:r>
-              <a:rPr lang="en-US" dirty="0"/>
-              <a:t> _</a:t>
-            </a:r>
-            <a:r>
-              <a:rPr lang="en-US" dirty="0" err="1"/>
-              <a:t>umtx_op</a:t>
-            </a:r>
-            <a:r>
-              <a:rPr lang="en-US" dirty="0"/>
-              <a:t> __</a:t>
-            </a:r>
-            <a:r>
-              <a:rPr lang="en-US" dirty="0" err="1"/>
-              <a:t>sysctl</a:t>
-            </a:r>
-            <a:endParaRPr lang="en-US" dirty="0"/>
-          </a:p>
-          <a:p>
-            <a:pPr marL="457200" indent="-457200">
-              <a:buFont typeface="+mj-lt"/>
-              <a:buAutoNum type="arabicPeriod"/>
-            </a:pPr>
-            <a:r>
-              <a:rPr lang="en-US" dirty="0" err="1"/>
-              <a:t>munmap</a:t>
-            </a:r>
-            <a:endParaRPr lang="en-US" dirty="0"/>
-          </a:p>
-          <a:p>
-            <a:pPr marL="457200" indent="-457200">
-              <a:buFont typeface="+mj-lt"/>
-              <a:buAutoNum type="arabicPeriod"/>
-            </a:pPr>
-            <a:r>
-              <a:rPr lang="en-US" dirty="0" err="1"/>
-              <a:t>mmap</a:t>
-            </a:r>
-            <a:r>
-              <a:rPr lang="en-US" dirty="0"/>
-              <a:t> </a:t>
-            </a:r>
-            <a:r>
-              <a:rPr lang="en-US" dirty="0" err="1"/>
-              <a:t>sigprocmask</a:t>
-            </a:r>
-            <a:endParaRPr lang="en-US" dirty="0"/>
-          </a:p>
-          <a:p>
-            <a:pPr marL="457200" indent="-457200">
-              <a:buFont typeface="+mj-lt"/>
-              <a:buAutoNum type="arabicPeriod"/>
-            </a:pPr>
-            <a:r>
-              <a:rPr lang="en-US" dirty="0" err="1"/>
-              <a:t>clock_gettime</a:t>
-            </a:r>
-            <a:r>
-              <a:rPr lang="en-US" dirty="0"/>
-              <a:t> </a:t>
-            </a:r>
-            <a:r>
-              <a:rPr lang="en-US" dirty="0" err="1"/>
-              <a:t>ioctl</a:t>
-            </a:r>
-            <a:endParaRPr lang="en-US" dirty="0"/>
-          </a:p>
-          <a:p>
-            <a:pPr marL="457200" indent="-457200">
-              <a:buFont typeface="+mj-lt"/>
-              <a:buAutoNum type="arabicPeriod"/>
-            </a:pPr>
-            <a:r>
-              <a:rPr lang="en-US" dirty="0"/>
-              <a:t>’ </a:t>
-            </a:r>
-            <a:r>
-              <a:rPr lang="en-US" dirty="0" err="1"/>
-              <a:t>syscall</a:t>
-            </a:r>
-            <a:r>
-              <a:rPr lang="en-US" dirty="0"/>
-              <a:t> : : : entry</a:t>
-            </a:r>
-          </a:p>
-          <a:p>
-            <a:pPr marL="457200" indent="-457200">
-              <a:buFont typeface="+mj-lt"/>
-              <a:buAutoNum type="arabicPeriod"/>
-            </a:pPr>
-            <a:r>
-              <a:rPr lang="en-US" dirty="0"/>
-              <a:t>’</a:t>
-            </a:r>
-          </a:p>
-          <a:p>
-            <a:pPr marL="457200" indent="-457200">
-              <a:buFont typeface="+mj-lt"/>
-              <a:buAutoNum type="arabicPeriod"/>
-            </a:pPr>
-            <a:r>
-              <a:rPr lang="en-US" dirty="0"/>
-              <a:t>matched</a:t>
-            </a:r>
-          </a:p>
-          <a:p>
-            <a:pPr marL="457200" indent="-457200">
-              <a:buFont typeface="+mj-lt"/>
-              <a:buAutoNum type="arabicPeriod"/>
-            </a:pPr>
-            <a:r>
-              <a:rPr lang="en-US" dirty="0"/>
-              <a:t>1072</a:t>
-            </a:r>
-          </a:p>
-          <a:p>
-            <a:pPr marL="457200" indent="-457200">
-              <a:buFont typeface="+mj-lt"/>
-              <a:buAutoNum type="arabicPeriod"/>
-            </a:pPr>
-            <a:r>
-              <a:rPr lang="en-US" dirty="0"/>
-              <a:t>probes</a:t>
-            </a:r>
-          </a:p>
-          <a:p>
-            <a:pPr marL="457200" indent="-457200">
-              <a:buFont typeface="+mj-lt"/>
-              <a:buAutoNum type="arabicPeriod"/>
-            </a:pPr>
-            <a:r>
-              <a:rPr lang="en-US" dirty="0"/>
-              <a:t> 1 1 2 2 2 3 4 6 6 7 8</a:t>
-            </a:r>
-          </a:p>
-          <a:p>
-            <a:pPr marL="457200" indent="-457200">
-              <a:buFont typeface="+mj-lt"/>
-              <a:buAutoNum type="arabicPeriod"/>
-            </a:pPr>
-            <a:r>
-              <a:rPr lang="en-US" dirty="0"/>
-              <a:t>18 19 23 42 45</a:t>
-            </a:r>
-          </a:p>
-          <a:p>
-            <a:pPr marL="457200" indent="-457200">
-              <a:buFont typeface="+mj-lt"/>
-              <a:buAutoNum type="arabicPeriod"/>
-            </a:pPr>
-            <a:endParaRPr lang="en-US" dirty="0"/>
+              <a:t>] = count(); </a:t>
+            </a:r>
+            <a:r>
+              <a:rPr lang="en-US" dirty="0" smtClean="0"/>
+              <a:t>}</a:t>
+            </a:r>
           </a:p>
         </p:txBody>
       </p:sp>
@@ -6173,21 +5965,51 @@
         <p:spPr/>
         <p:txBody>
           <a:bodyPr>
-            <a:normAutofit fontScale="55000" lnSpcReduction="20000"/>
+            <a:normAutofit fontScale="85000" lnSpcReduction="20000"/>
           </a:bodyPr>
           <a:lstStyle/>
           <a:p>
             <a:r>
-              <a:rPr lang="en-US" dirty="0"/>
-              <a:t># Summarize requested write() sizes by program name, as power−of−2 distributions (bytes): </a:t>
-            </a:r>
+              <a:rPr lang="en-US" dirty="0" err="1" smtClean="0"/>
+              <a:t>dtrace</a:t>
+            </a:r>
+            <a:r>
+              <a:rPr lang="en-US" dirty="0"/>
+              <a:t>−n ’</a:t>
+            </a:r>
+            <a:r>
+              <a:rPr lang="en-US" dirty="0" err="1"/>
+              <a:t>syscall</a:t>
+            </a:r>
+            <a:r>
+              <a:rPr lang="en-US" dirty="0"/>
+              <a:t>::</a:t>
+            </a:r>
+            <a:r>
+              <a:rPr lang="en-US" dirty="0" err="1"/>
+              <a:t>write:entry</a:t>
+            </a:r>
+            <a:r>
+              <a:rPr lang="en-US" dirty="0"/>
+              <a:t> {@[</a:t>
+            </a:r>
+            <a:r>
+              <a:rPr lang="en-US" dirty="0" err="1"/>
+              <a:t>execname</a:t>
+            </a:r>
+            <a:r>
+              <a:rPr lang="en-US" dirty="0"/>
+              <a:t>] = quantize(arg2); }’</a:t>
+            </a:r>
+          </a:p>
+          <a:p>
             <a:r>
               <a:rPr lang="en-US" dirty="0" err="1"/>
               <a:t>dtrace</a:t>
             </a:r>
             <a:r>
               <a:rPr lang="en-US" dirty="0"/>
-              <a:t>−n ’</a:t>
+              <a:t>: description ’</a:t>
             </a:r>
             <a:r>
               <a:rPr lang="en-US" dirty="0" err="1"/>
@@ -6203,102 +6025,298 @@
             </a:r>
             <a:r>
               <a:rPr lang="en-US" dirty="0"/>
-              <a:t> {@[</a:t>
-            </a:r>
-            <a:r>
-              <a:rPr lang="en-US" dirty="0" err="1"/>
-              <a:t>execname</a:t>
-            </a:r>
-            <a:r>
-              <a:rPr lang="en-US" dirty="0"/>
-              <a:t>] = quantize(arg2); }’</a:t>
-            </a:r>
-          </a:p>
-          <a:p>
-            <a:r>
-              <a:rPr lang="en-US" dirty="0" err="1"/>
-              <a:t>dtrace</a:t>
-            </a:r>
-            <a:r>
-              <a:rPr lang="en-US" dirty="0"/>
-              <a:t>: description ’</a:t>
-            </a:r>
-            <a:r>
-              <a:rPr lang="en-US" dirty="0" err="1"/>
-              <a:t>syscall</a:t>
-            </a:r>
-            <a:r>
-              <a:rPr lang="en-US" dirty="0"/>
-              <a:t>::</a:t>
-            </a:r>
-            <a:r>
-              <a:rPr lang="en-US" dirty="0" err="1"/>
-              <a:t>write:entry</a:t>
-            </a:r>
-            <a:r>
-              <a:rPr lang="en-US" dirty="0"/>
               <a:t> ’ matched 2 probes</a:t>
             </a:r>
           </a:p>
           <a:p>
             <a:r>
-              <a:rPr lang="en-US" dirty="0"/>
-              <a:t>^C</a:t>
-            </a:r>
-          </a:p>
-          <a:p>
-            <a:r>
-              <a:rPr lang="en-US" dirty="0"/>
-              <a:t>1</a:t>
-            </a:r>
-          </a:p>
-          <a:p>
-            <a:r>
-              <a:rPr lang="en-US" dirty="0"/>
-              <a:t>2</a:t>
-            </a:r>
-          </a:p>
-          <a:p>
-            <a:r>
-              <a:rPr lang="en-US" dirty="0"/>
-              <a:t>3</a:t>
-            </a:r>
-          </a:p>
-          <a:p>
-            <a:r>
-              <a:rPr lang="en-US" dirty="0"/>
-              <a:t>4</a:t>
-            </a:r>
-          </a:p>
-          <a:p>
-            <a:r>
-              <a:rPr lang="en-US" dirty="0"/>
-              <a:t>5</a:t>
-            </a:r>
-          </a:p>
-          <a:p>
-            <a:r>
-              <a:rPr lang="en-US" dirty="0"/>
-              <a:t>6 71|0 82|1 94| 17</a:t>
-            </a:r>
-          </a:p>
-          <a:p>
-            <a:r>
-              <a:rPr lang="en-US" dirty="0"/>
-              <a:t>      10 11 12 13 14</a:t>
-            </a:r>
-          </a:p>
-          <a:p>
-            <a:r>
-              <a:rPr lang="en-US" dirty="0"/>
-              <a:t>8 |@@ 841 16 |@@@@@@@@@@@@@ 6940 32 |@@@@@@@@@@@@@@@@@@@@@@@@@ 13666 64 | 59</a:t>
-            </a:r>
-          </a:p>
-          <a:p>
-            <a:r>
-              <a:rPr lang="en-US" dirty="0"/>
-              <a:t>128 | 0</a:t>
-            </a:r>
+              <a:rPr lang="mr-IN" dirty="0"/>
+              <a:t> </a:t>
+            </a:r>
+            <a:r>
+              <a:rPr lang="mr-IN" sz="1800" dirty="0" err="1">
+                <a:latin typeface="Courier" charset="0"/>
+                <a:ea typeface="Courier" charset="0"/>
+                <a:cs typeface="Courier" charset="0"/>
+              </a:rPr>
+              <a:t>sshd</a:t>
+            </a:r>
+            <a:r>
+              <a:rPr lang="mr-IN" sz="1800" dirty="0">
+                <a:latin typeface="Courier" charset="0"/>
+                <a:ea typeface="Courier" charset="0"/>
+                <a:cs typeface="Courier" charset="0"/>
+              </a:rPr>
+              <a:t>           </a:t>
+            </a:r>
+            <a:endParaRPr lang="en-US" sz="1800" dirty="0" smtClean="0">
+              <a:latin typeface="Courier" charset="0"/>
+              <a:ea typeface="Courier" charset="0"/>
+              <a:cs typeface="Courier" charset="0"/>
+            </a:endParaRPr>
+          </a:p>
+          <a:p>
+            <a:r>
+              <a:rPr lang="mr-IN" sz="1800" dirty="0" err="1" smtClean="0">
+                <a:latin typeface="Courier" charset="0"/>
+                <a:ea typeface="Courier" charset="0"/>
+                <a:cs typeface="Courier" charset="0"/>
+              </a:rPr>
+              <a:t>value</a:t>
+            </a:r>
+            <a:r>
+              <a:rPr lang="mr-IN" sz="1800" dirty="0" smtClean="0">
+                <a:latin typeface="Courier" charset="0"/>
+                <a:ea typeface="Courier" charset="0"/>
+                <a:cs typeface="Courier" charset="0"/>
+              </a:rPr>
+              <a:t>  </a:t>
+            </a:r>
+            <a:r>
+              <a:rPr lang="mr-IN" sz="1800" dirty="0">
+                <a:latin typeface="Courier" charset="0"/>
+                <a:ea typeface="Courier" charset="0"/>
+                <a:cs typeface="Courier" charset="0"/>
+              </a:rPr>
+              <a:t>------------- </a:t>
+            </a:r>
+            <a:r>
+              <a:rPr lang="mr-IN" sz="1800" dirty="0" err="1">
+                <a:latin typeface="Courier" charset="0"/>
+                <a:ea typeface="Courier" charset="0"/>
+                <a:cs typeface="Courier" charset="0"/>
+              </a:rPr>
+              <a:t>Distribution</a:t>
+            </a:r>
+            <a:r>
+              <a:rPr lang="mr-IN" sz="1800" dirty="0">
+                <a:latin typeface="Courier" charset="0"/>
+                <a:ea typeface="Courier" charset="0"/>
+                <a:cs typeface="Courier" charset="0"/>
+              </a:rPr>
+              <a:t> ------------- </a:t>
+            </a:r>
+            <a:r>
+              <a:rPr lang="mr-IN" sz="1800" dirty="0" err="1" smtClean="0">
+                <a:latin typeface="Courier" charset="0"/>
+                <a:ea typeface="Courier" charset="0"/>
+                <a:cs typeface="Courier" charset="0"/>
+              </a:rPr>
+              <a:t>count</a:t>
+            </a:r>
+            <a:endParaRPr lang="en-US" sz="1800" dirty="0" smtClean="0">
+              <a:latin typeface="Courier" charset="0"/>
+              <a:ea typeface="Courier" charset="0"/>
+              <a:cs typeface="Courier" charset="0"/>
+            </a:endParaRPr>
+          </a:p>
+          <a:p>
+            <a:r>
+              <a:rPr lang="mr-IN" sz="1800" dirty="0" smtClean="0">
+                <a:latin typeface="Courier" charset="0"/>
+                <a:ea typeface="Courier" charset="0"/>
+                <a:cs typeface="Courier" charset="0"/>
+              </a:rPr>
+              <a:t>0 </a:t>
+            </a:r>
+            <a:r>
+              <a:rPr lang="mr-IN" sz="1800" dirty="0">
+                <a:latin typeface="Courier" charset="0"/>
+                <a:ea typeface="Courier" charset="0"/>
+                <a:cs typeface="Courier" charset="0"/>
+              </a:rPr>
+              <a:t>|                                         0               </a:t>
+            </a:r>
+            <a:endParaRPr lang="en-US" sz="1800" dirty="0" smtClean="0">
+              <a:latin typeface="Courier" charset="0"/>
+              <a:ea typeface="Courier" charset="0"/>
+              <a:cs typeface="Courier" charset="0"/>
+            </a:endParaRPr>
+          </a:p>
+          <a:p>
+            <a:r>
+              <a:rPr lang="mr-IN" sz="1800" dirty="0" smtClean="0">
+                <a:latin typeface="Courier" charset="0"/>
+                <a:ea typeface="Courier" charset="0"/>
+                <a:cs typeface="Courier" charset="0"/>
+              </a:rPr>
+              <a:t>1 </a:t>
+            </a:r>
+            <a:r>
+              <a:rPr lang="mr-IN" sz="1800" dirty="0">
+                <a:latin typeface="Courier" charset="0"/>
+                <a:ea typeface="Courier" charset="0"/>
+                <a:cs typeface="Courier" charset="0"/>
+              </a:rPr>
+              <a:t>|@@@@@@@@@@@@@                            1               </a:t>
+            </a:r>
+            <a:endParaRPr lang="en-US" sz="1800" dirty="0" smtClean="0">
+              <a:latin typeface="Courier" charset="0"/>
+              <a:ea typeface="Courier" charset="0"/>
+              <a:cs typeface="Courier" charset="0"/>
+            </a:endParaRPr>
+          </a:p>
+          <a:p>
+            <a:r>
+              <a:rPr lang="mr-IN" sz="1800" dirty="0" smtClean="0">
+                <a:latin typeface="Courier" charset="0"/>
+                <a:ea typeface="Courier" charset="0"/>
+                <a:cs typeface="Courier" charset="0"/>
+              </a:rPr>
+              <a:t>2 </a:t>
+            </a:r>
+            <a:r>
+              <a:rPr lang="mr-IN" sz="1800" dirty="0">
+                <a:latin typeface="Courier" charset="0"/>
+                <a:ea typeface="Courier" charset="0"/>
+                <a:cs typeface="Courier" charset="0"/>
+              </a:rPr>
+              <a:t>|                                         0               </a:t>
+            </a:r>
+            <a:endParaRPr lang="en-US" sz="1800" dirty="0" smtClean="0">
+              <a:latin typeface="Courier" charset="0"/>
+              <a:ea typeface="Courier" charset="0"/>
+              <a:cs typeface="Courier" charset="0"/>
+            </a:endParaRPr>
+          </a:p>
+          <a:p>
+            <a:r>
+              <a:rPr lang="mr-IN" sz="1800" dirty="0" smtClean="0">
+                <a:latin typeface="Courier" charset="0"/>
+                <a:ea typeface="Courier" charset="0"/>
+                <a:cs typeface="Courier" charset="0"/>
+              </a:rPr>
+              <a:t>4 </a:t>
+            </a:r>
+            <a:r>
+              <a:rPr lang="mr-IN" sz="1800" dirty="0">
+                <a:latin typeface="Courier" charset="0"/>
+                <a:ea typeface="Courier" charset="0"/>
+                <a:cs typeface="Courier" charset="0"/>
+              </a:rPr>
+              <a:t>|                                         0               </a:t>
+            </a:r>
+            <a:endParaRPr lang="en-US" sz="1800" dirty="0" smtClean="0">
+              <a:latin typeface="Courier" charset="0"/>
+              <a:ea typeface="Courier" charset="0"/>
+              <a:cs typeface="Courier" charset="0"/>
+            </a:endParaRPr>
+          </a:p>
+          <a:p>
+            <a:r>
+              <a:rPr lang="mr-IN" sz="1800" dirty="0" smtClean="0">
+                <a:latin typeface="Courier" charset="0"/>
+                <a:ea typeface="Courier" charset="0"/>
+                <a:cs typeface="Courier" charset="0"/>
+              </a:rPr>
+              <a:t>8 </a:t>
+            </a:r>
+            <a:r>
+              <a:rPr lang="mr-IN" sz="1800" dirty="0">
+                <a:latin typeface="Courier" charset="0"/>
+                <a:ea typeface="Courier" charset="0"/>
+                <a:cs typeface="Courier" charset="0"/>
+              </a:rPr>
+              <a:t>|                                         0              </a:t>
+            </a:r>
+            <a:endParaRPr lang="en-US" sz="1800" dirty="0" smtClean="0">
+              <a:latin typeface="Courier" charset="0"/>
+              <a:ea typeface="Courier" charset="0"/>
+              <a:cs typeface="Courier" charset="0"/>
+            </a:endParaRPr>
+          </a:p>
+          <a:p>
+            <a:r>
+              <a:rPr lang="mr-IN" sz="1800" dirty="0" smtClean="0">
+                <a:latin typeface="Courier" charset="0"/>
+                <a:ea typeface="Courier" charset="0"/>
+                <a:cs typeface="Courier" charset="0"/>
+              </a:rPr>
+              <a:t>16 </a:t>
+            </a:r>
+            <a:r>
+              <a:rPr lang="mr-IN" sz="1800" dirty="0">
+                <a:latin typeface="Courier" charset="0"/>
+                <a:ea typeface="Courier" charset="0"/>
+                <a:cs typeface="Courier" charset="0"/>
+              </a:rPr>
+              <a:t>|@@@@@@@@@@@@@                           </a:t>
+            </a:r>
+            <a:r>
+              <a:rPr lang="mr-IN" sz="1800" dirty="0" smtClean="0">
+                <a:latin typeface="Courier" charset="0"/>
+                <a:ea typeface="Courier" charset="0"/>
+                <a:cs typeface="Courier" charset="0"/>
+              </a:rPr>
+              <a:t>1              </a:t>
+            </a:r>
+            <a:endParaRPr lang="en-US" sz="1800" dirty="0" smtClean="0">
+              <a:latin typeface="Courier" charset="0"/>
+              <a:ea typeface="Courier" charset="0"/>
+              <a:cs typeface="Courier" charset="0"/>
+            </a:endParaRPr>
+          </a:p>
+          <a:p>
+            <a:r>
+              <a:rPr lang="mr-IN" sz="1800" dirty="0" smtClean="0">
+                <a:latin typeface="Courier" charset="0"/>
+                <a:ea typeface="Courier" charset="0"/>
+                <a:cs typeface="Courier" charset="0"/>
+              </a:rPr>
+              <a:t>32 </a:t>
+            </a:r>
+            <a:r>
+              <a:rPr lang="mr-IN" sz="1800" dirty="0">
+                <a:latin typeface="Courier" charset="0"/>
+                <a:ea typeface="Courier" charset="0"/>
+                <a:cs typeface="Courier" charset="0"/>
+              </a:rPr>
+              <a:t>|@@@@@@@@@@@@@                           </a:t>
+            </a:r>
+            <a:r>
+              <a:rPr lang="mr-IN" sz="1800" dirty="0" smtClean="0">
+                <a:latin typeface="Courier" charset="0"/>
+                <a:ea typeface="Courier" charset="0"/>
+                <a:cs typeface="Courier" charset="0"/>
+              </a:rPr>
+              <a:t>1              </a:t>
+            </a:r>
+            <a:endParaRPr lang="en-US" sz="1800" dirty="0" smtClean="0">
+              <a:latin typeface="Courier" charset="0"/>
+              <a:ea typeface="Courier" charset="0"/>
+              <a:cs typeface="Courier" charset="0"/>
+            </a:endParaRPr>
+          </a:p>
+          <a:p>
+            <a:r>
+              <a:rPr lang="mr-IN" sz="1800" dirty="0" smtClean="0">
+                <a:latin typeface="Courier" charset="0"/>
+                <a:ea typeface="Courier" charset="0"/>
+                <a:cs typeface="Courier" charset="0"/>
+              </a:rPr>
+              <a:t>64 </a:t>
+            </a:r>
+            <a:r>
+              <a:rPr lang="mr-IN" sz="1800" dirty="0">
+                <a:latin typeface="Courier" charset="0"/>
+                <a:ea typeface="Courier" charset="0"/>
+                <a:cs typeface="Courier" charset="0"/>
+              </a:rPr>
+              <a:t>|                               </a:t>
+            </a:r>
+            <a:r>
+              <a:rPr lang="en-US" sz="1800" dirty="0" smtClean="0">
+                <a:latin typeface="Courier" charset="0"/>
+                <a:ea typeface="Courier" charset="0"/>
+                <a:cs typeface="Courier" charset="0"/>
+              </a:rPr>
+              <a:t>         0</a:t>
+            </a:r>
+            <a:endParaRPr lang="en-US" sz="1800" dirty="0">
+              <a:latin typeface="Courier" charset="0"/>
+              <a:ea typeface="Courier" charset="0"/>
+              <a:cs typeface="Courier" charset="0"/>
+            </a:endParaRPr>
           </a:p>
         </p:txBody>
       </p:sp>
@@ -7013,7 +7031,30 @@
       </p:sp>
       <p:sp>
         <p:nvSpPr>
-          <p:cNvPr id="3" name="Content Placeholder 2"/>
+          <p:cNvPr id="4" name="Footer Placeholder 3"/>
+          <p:cNvSpPr>
+            <a:spLocks noGrp="1"/>
+          </p:cNvSpPr>
+          <p:nvPr>
+            <p:ph type="ftr" sz="quarter" idx="11"/>
+          </p:nvPr>
+        </p:nvSpPr>
+        <p:spPr/>
+        <p:txBody>
+          <a:bodyPr/>
+          <a:lstStyle/>
+          <a:p>
+            <a:r>
+              <a:rPr lang="en-US" smtClean="0"/>
+              <a:t>Introduction to Operating Systems</a:t>
+            </a:r>
+            <a:endParaRPr lang="en-US" dirty="0"/>
+          </a:p>
+        </p:txBody>
+      </p:sp>
+      <p:sp>
+        <p:nvSpPr>
+          <p:cNvPr id="5" name="Content Placeholder 4"/>
           <p:cNvSpPr>
             <a:spLocks noGrp="1"/>
           </p:cNvSpPr>
@@ -7023,184 +7064,10 @@
         </p:nvSpPr>
         <p:spPr/>
         <p:txBody>
-          <a:bodyPr>
-            <a:normAutofit fontScale="25000" lnSpcReduction="20000"/>
-          </a:bodyPr>
-          <a:lstStyle/>
-          <a:p>
-            <a:r>
-              <a:rPr lang="en-US" dirty="0"/>
-              <a:t>1 ./ </a:t>
-            </a:r>
-            <a:r>
-              <a:rPr lang="en-US" dirty="0" err="1"/>
-              <a:t>hotkernel</a:t>
-            </a:r>
-            <a:endParaRPr lang="en-US" dirty="0"/>
-          </a:p>
-          <a:p>
-            <a:r>
-              <a:rPr lang="en-US" dirty="0"/>
-              <a:t>2 Sampling... Hit Ctrl−C to end.</a:t>
-            </a:r>
-          </a:p>
-          <a:p>
-            <a:r>
-              <a:rPr lang="en-US" dirty="0"/>
-              <a:t>3 ^C</a:t>
-            </a:r>
-          </a:p>
-          <a:p>
-            <a:r>
-              <a:rPr lang="en-US" dirty="0"/>
-              <a:t>4 FUNCTION</a:t>
-            </a:r>
-          </a:p>
-          <a:p>
-            <a:r>
-              <a:rPr lang="en-US" dirty="0"/>
-              <a:t>5 kernel ‘ lookup</a:t>
-            </a:r>
-          </a:p>
-          <a:p>
-            <a:r>
-              <a:rPr lang="en-US" dirty="0"/>
-              <a:t>6 kernel ‘ </a:t>
-            </a:r>
-            <a:r>
-              <a:rPr lang="en-US" dirty="0" err="1"/>
-              <a:t>unlock_mtx</a:t>
-            </a:r>
-            <a:endParaRPr lang="en-US" dirty="0"/>
-          </a:p>
-          <a:p>
-            <a:r>
-              <a:rPr lang="en-US" dirty="0"/>
-              <a:t>7 kernel ‘ _</a:t>
-            </a:r>
-            <a:r>
-              <a:rPr lang="en-US" dirty="0" err="1"/>
-              <a:t>vm_page_deactivate</a:t>
-            </a:r>
-            <a:endParaRPr lang="en-US" dirty="0"/>
-          </a:p>
-          <a:p>
-            <a:r>
-              <a:rPr lang="en-US" dirty="0"/>
-              <a:t>8 ...</a:t>
-            </a:r>
-          </a:p>
-          <a:p>
-            <a:r>
-              <a:rPr lang="en-US" dirty="0"/>
-              <a:t>9 kernel ‘ amd64_syscall</a:t>
-            </a:r>
-          </a:p>
-          <a:p>
-            <a:r>
-              <a:rPr lang="en-US" dirty="0"/>
-              <a:t>10 k e r n e l ‘ </a:t>
-            </a:r>
-            <a:r>
-              <a:rPr lang="en-US" dirty="0" err="1"/>
-              <a:t>pmap_remove_pages</a:t>
-            </a:r>
-            <a:endParaRPr lang="en-US" dirty="0"/>
-          </a:p>
-          <a:p>
-            <a:r>
-              <a:rPr lang="en-US" dirty="0"/>
-              <a:t>11 kernel ‘ </a:t>
-            </a:r>
-            <a:r>
-              <a:rPr lang="en-US" dirty="0" err="1"/>
-              <a:t>hpet_get_timecount</a:t>
-            </a:r>
-            <a:endParaRPr lang="en-US" dirty="0"/>
-          </a:p>
-          <a:p>
-            <a:r>
-              <a:rPr lang="en-US" dirty="0"/>
-              <a:t>12 kernel ‘ </a:t>
-            </a:r>
-            <a:r>
-              <a:rPr lang="en-US" dirty="0" err="1"/>
-              <a:t>pagezero</a:t>
-            </a:r>
-            <a:endParaRPr lang="en-US" dirty="0"/>
-          </a:p>
-          <a:p>
-            <a:r>
-              <a:rPr lang="en-US" dirty="0"/>
-              <a:t>13 kernel ‘0 xffffffff80</a:t>
-            </a:r>
-          </a:p>
-          <a:p>
-            <a:r>
-              <a:rPr lang="en-US" dirty="0"/>
-              <a:t>14 kernel ‘ </a:t>
-            </a:r>
-            <a:r>
-              <a:rPr lang="en-US" dirty="0" err="1"/>
-              <a:t>spinlock_exit</a:t>
-            </a:r>
-            <a:endParaRPr lang="en-US" dirty="0"/>
-          </a:p>
-          <a:p>
-            <a:r>
-              <a:rPr lang="en-US" dirty="0"/>
-              <a:t>15 kernel ‘ acpi_cpu_c1</a:t>
-            </a:r>
-          </a:p>
-          <a:p>
-            <a:r>
-              <a:rPr lang="en-US" dirty="0"/>
-              <a:t>COUNT PCNT 1 0.1% 1 0.1% 1 0.1%</a:t>
-            </a:r>
-          </a:p>
-          <a:p>
-            <a:r>
-              <a:rPr lang="en-US" dirty="0"/>
-              <a:t>9 0.5%</a:t>
-            </a:r>
-          </a:p>
-          <a:p>
-            <a:r>
-              <a:rPr lang="en-US" dirty="0"/>
-              <a:t>9 0.5% 13 0.7% 15 0.8% 34 1.9%</a:t>
-            </a:r>
-          </a:p>
-          <a:p>
-            <a:r>
-              <a:rPr lang="en-US" dirty="0"/>
-              <a:t>486 27.0% 965 53.6%</a:t>
-            </a:r>
-          </a:p>
-          <a:p>
-            <a:endParaRPr lang="en-US" dirty="0"/>
-          </a:p>
-        </p:txBody>
-      </p:sp>
-      <p:sp>
-        <p:nvSpPr>
-          <p:cNvPr id="4" name="Footer Placeholder 3"/>
-          <p:cNvSpPr>
-            <a:spLocks noGrp="1"/>
-          </p:cNvSpPr>
-          <p:nvPr>
-            <p:ph type="ftr" sz="quarter" idx="11"/>
-          </p:nvPr>
-        </p:nvSpPr>
-        <p:spPr/>
-        <p:txBody>
-          <a:bodyPr/>
-          <a:lstStyle/>
-          <a:p>
-            <a:r>
-              <a:rPr lang="en-US" smtClean="0"/>
-              <a:t>Introduction to Operating Systems</a:t>
-            </a:r>
-            <a:endParaRPr lang="en-US" dirty="0"/>
+          <a:bodyPr/>
+          <a:lstStyle/>
+          <a:p>
+            <a:endParaRPr lang="en-US"/>
           </a:p>
         </p:txBody>
       </p:sp>
@@ -8000,7 +7867,7 @@
           <a:p>
             <a:r>
               <a:rPr lang="en-US" dirty="0" smtClean="0"/>
-              <a:t>Into the Laboratory</a:t>
+              <a:t>Limitations of D</a:t>
             </a:r>
             <a:endParaRPr lang="en-US" dirty="0"/>
           </a:p>
@@ -8023,23 +7890,66 @@
           <a:p>
             <a:r>
               <a:rPr lang="en-US" dirty="0" smtClean="0"/>
-              <a:t>Time </a:t>
-            </a:r>
-            <a:r>
-              <a:rPr lang="en-US" smtClean="0"/>
-              <a:t>to begin Lab </a:t>
-            </a:r>
-            <a:r>
-              <a:rPr lang="en-US" dirty="0" smtClean="0"/>
-              <a:t>1</a:t>
-            </a:r>
-            <a:endParaRPr lang="en-US" dirty="0"/>
-          </a:p>
-        </p:txBody>
-      </p:sp>
-      <p:sp>
-        <p:nvSpPr>
-          <p:cNvPr id="4" name="Footer Placeholder 3"/>
+              <a:t>Lack of a real if() statement</a:t>
+            </a:r>
+          </a:p>
+          <a:p>
+            <a:pPr lvl="1"/>
+            <a:r>
+              <a:rPr lang="en-US" dirty="0" smtClean="0"/>
+              <a:t>Only ternary operators</a:t>
+            </a:r>
+          </a:p>
+          <a:p>
+            <a:r>
+              <a:rPr lang="en-US" dirty="0" smtClean="0"/>
+              <a:t>No Looping constructs</a:t>
+            </a:r>
+          </a:p>
+          <a:p>
+            <a:r>
+              <a:rPr lang="en-US" dirty="0" smtClean="0"/>
+              <a:t>All output is unstructured text</a:t>
+            </a:r>
+          </a:p>
+          <a:p>
+            <a:pPr lvl="1"/>
+            <a:r>
+              <a:rPr lang="en-US" dirty="0" smtClean="0"/>
+              <a:t>Machine readable output coming in the future</a:t>
+            </a:r>
+          </a:p>
+          <a:p>
+            <a:endParaRPr lang="en-US" dirty="0" smtClean="0"/>
+          </a:p>
+        </p:txBody>
+      </p:sp>
+      <p:sp>
+        <p:nvSpPr>
+          <p:cNvPr id="4" name="Date Placeholder 3"/>
+          <p:cNvSpPr>
+            <a:spLocks noGrp="1"/>
+          </p:cNvSpPr>
+          <p:nvPr>
+            <p:ph type="dt" sz="half" idx="10"/>
+          </p:nvPr>
+        </p:nvSpPr>
+        <p:spPr/>
+        <p:txBody>
+          <a:bodyPr/>
+          <a:lstStyle/>
+          <a:p>
+            <a:fld id="{BC4AE5AA-C6FF-5A4F-9D02-E3454F0B3602}" type="datetime1">
+              <a:rPr lang="en-US" smtClean="0"/>
+              <a:t>2/21/17</a:t>
+            </a:fld>
+            <a:endParaRPr lang="en-US"/>
+          </a:p>
+        </p:txBody>
+      </p:sp>
+      <p:sp>
+        <p:nvSpPr>
+          <p:cNvPr id="5" name="Footer Placeholder 4"/>
           <p:cNvSpPr>
             <a:spLocks noGrp="1"/>
           </p:cNvSpPr>
@@ -8054,16 +7964,285 @@
           <a:p>
             <a:r>
               <a:rPr lang="en-US" smtClean="0"/>
-              <a:t>Introduction to Operating Systems</a:t>
-            </a:r>
-            <a:endParaRPr lang="en-US" dirty="0"/>
+              <a:t>Developing Products with FreeBSD</a:t>
+            </a:r>
+            <a:endParaRPr lang="en-US" dirty="0"/>
+          </a:p>
+        </p:txBody>
+      </p:sp>
+      <p:sp>
+        <p:nvSpPr>
+          <p:cNvPr id="6" name="Slide Number Placeholder 5"/>
+          <p:cNvSpPr>
+            <a:spLocks noGrp="1"/>
+          </p:cNvSpPr>
+          <p:nvPr>
+            <p:ph type="sldNum" sz="quarter" idx="12"/>
+          </p:nvPr>
+        </p:nvSpPr>
+        <p:spPr/>
+        <p:txBody>
+          <a:bodyPr/>
+          <a:lstStyle/>
+          <a:p>
+            <a:fld id="{699C44C4-0FAD-8046-A5C4-05AB318FA424}" type="slidenum">
+              <a:rPr lang="en-US" smtClean="0"/>
+              <a:t>28</a:t>
+            </a:fld>
+            <a:endParaRPr lang="en-US"/>
           </a:p>
         </p:txBody>
       </p:sp>
     </p:spTree>
     <p:extLst>
       <p:ext uri="{BB962C8B-B14F-4D97-AF65-F5344CB8AC3E}">
-        <p14:creationId xmlns:p14="http://schemas.microsoft.com/office/powerpoint/2010/main" val="1661814456"/>
+        <p14:creationId xmlns:p14="http://schemas.microsoft.com/office/powerpoint/2010/main" val="205605367"/>
+      </p:ext>
+    </p:extLst>
+  </p:cSld>
+  <p:clrMapOvr>
+    <a:masterClrMapping/>
+  </p:clrMapOvr>
+</p:sld>
+</file>
+
+<file path=ppt/slides/slide29.xml><?xml version="1.0" encoding="utf-8"?>
+<p:sld xmlns:a="http://schemas.openxmlformats.org/drawingml/2006/main" xmlns:r="http://schemas.openxmlformats.org/officeDocument/2006/relationships" xmlns:p="http://schemas.openxmlformats.org/presentationml/2006/main">
+  <p:cSld>
+    <p:spTree>
+      <p:nvGrpSpPr>
+        <p:cNvPr id="1" name=""/>
+        <p:cNvGrpSpPr/>
+        <p:nvPr/>
+      </p:nvGrpSpPr>
+      <p:grpSpPr>
+        <a:xfrm>
+          <a:off x="0" y="0"/>
+          <a:ext cx="0" cy="0"/>
+          <a:chOff x="0" y="0"/>
+          <a:chExt cx="0" cy="0"/>
+        </a:xfrm>
+      </p:grpSpPr>
+      <p:sp>
+        <p:nvSpPr>
+          <p:cNvPr id="2" name="Title 1"/>
+          <p:cNvSpPr>
+            <a:spLocks noGrp="1"/>
+          </p:cNvSpPr>
+          <p:nvPr>
+            <p:ph type="title"/>
+          </p:nvPr>
+        </p:nvSpPr>
+        <p:spPr/>
+        <p:txBody>
+          <a:bodyPr/>
+          <a:lstStyle/>
+          <a:p>
+            <a:r>
+              <a:rPr lang="en-US" dirty="0" smtClean="0"/>
+              <a:t>Getting Past the Limitations</a:t>
+            </a:r>
+            <a:endParaRPr lang="en-US" dirty="0"/>
+          </a:p>
+        </p:txBody>
+      </p:sp>
+      <p:sp>
+        <p:nvSpPr>
+          <p:cNvPr id="3" name="Content Placeholder 2"/>
+          <p:cNvSpPr>
+            <a:spLocks noGrp="1"/>
+          </p:cNvSpPr>
+          <p:nvPr>
+            <p:ph idx="1"/>
+          </p:nvPr>
+        </p:nvSpPr>
+        <p:spPr/>
+        <p:txBody>
+          <a:bodyPr/>
+          <a:lstStyle/>
+          <a:p>
+            <a:r>
+              <a:rPr lang="en-US" dirty="0" smtClean="0"/>
+              <a:t>Use of profile and tick providers</a:t>
+            </a:r>
+          </a:p>
+          <a:p>
+            <a:pPr lvl="1"/>
+            <a:r>
+              <a:rPr lang="en-US" dirty="0" err="1"/>
+              <a:t>dtrace</a:t>
+            </a:r>
+            <a:r>
+              <a:rPr lang="en-US" dirty="0"/>
+              <a:t> -n 'tick-1s { </a:t>
+            </a:r>
+            <a:r>
+              <a:rPr lang="en-US" dirty="0" err="1"/>
+              <a:t>printf</a:t>
+            </a:r>
+            <a:r>
+              <a:rPr lang="en-US" dirty="0"/>
+              <a:t> ("%Y", </a:t>
+            </a:r>
+            <a:r>
+              <a:rPr lang="en-US" dirty="0" err="1"/>
+              <a:t>walltimestamp</a:t>
+            </a:r>
+            <a:r>
+              <a:rPr lang="en-US" dirty="0"/>
+              <a:t>); </a:t>
+            </a:r>
+            <a:r>
+              <a:rPr lang="en-US" dirty="0" smtClean="0"/>
+              <a:t>}’</a:t>
+            </a:r>
+          </a:p>
+          <a:p>
+            <a:pPr lvl="1"/>
+            <a:r>
+              <a:rPr lang="en-US" dirty="0" err="1"/>
+              <a:t>dtrace</a:t>
+            </a:r>
+            <a:r>
+              <a:rPr lang="en-US" dirty="0"/>
+              <a:t> -n </a:t>
+            </a:r>
+            <a:r>
+              <a:rPr lang="en-US" dirty="0" smtClean="0"/>
+              <a:t>‘profile-1s{ </a:t>
+            </a:r>
+            <a:r>
+              <a:rPr lang="en-US" dirty="0" err="1"/>
+              <a:t>printf</a:t>
+            </a:r>
+            <a:r>
+              <a:rPr lang="en-US" dirty="0"/>
+              <a:t> ("%Y", </a:t>
+            </a:r>
+            <a:r>
+              <a:rPr lang="en-US" dirty="0" err="1"/>
+              <a:t>walltimestamp</a:t>
+            </a:r>
+            <a:r>
+              <a:rPr lang="en-US" dirty="0"/>
+              <a:t>); </a:t>
+            </a:r>
+            <a:r>
+              <a:rPr lang="en-US" dirty="0" smtClean="0"/>
+              <a:t>}’</a:t>
+            </a:r>
+          </a:p>
+          <a:p>
+            <a:r>
+              <a:rPr lang="en-US" dirty="0" smtClean="0"/>
+              <a:t>Wrapping D scripts in shell (</a:t>
+            </a:r>
+            <a:r>
+              <a:rPr lang="en-US" dirty="0" err="1" smtClean="0"/>
+              <a:t>sh</a:t>
+            </a:r>
+            <a:r>
+              <a:rPr lang="en-US" dirty="0" smtClean="0"/>
+              <a:t>)</a:t>
+            </a:r>
+          </a:p>
+          <a:p>
+            <a:pPr lvl="1"/>
+            <a:r>
+              <a:rPr lang="en-US" dirty="0" smtClean="0"/>
+              <a:t>See </a:t>
+            </a:r>
+            <a:r>
+              <a:rPr lang="en-US" dirty="0" err="1" smtClean="0"/>
+              <a:t>DTraceToolkit</a:t>
+            </a:r>
+            <a:r>
+              <a:rPr lang="en-US" dirty="0" smtClean="0"/>
+              <a:t> for </a:t>
+            </a:r>
+            <a:r>
+              <a:rPr lang="en-US" smtClean="0"/>
+              <a:t>many examples</a:t>
+            </a:r>
+          </a:p>
+          <a:p>
+            <a:endParaRPr lang="en-US" dirty="0"/>
+          </a:p>
+        </p:txBody>
+      </p:sp>
+      <p:sp>
+        <p:nvSpPr>
+          <p:cNvPr id="4" name="Date Placeholder 3"/>
+          <p:cNvSpPr>
+            <a:spLocks noGrp="1"/>
+          </p:cNvSpPr>
+          <p:nvPr>
+            <p:ph type="dt" sz="half" idx="10"/>
+          </p:nvPr>
+        </p:nvSpPr>
+        <p:spPr/>
+        <p:txBody>
+          <a:bodyPr/>
+          <a:lstStyle/>
+          <a:p>
+            <a:fld id="{BC4AE5AA-C6FF-5A4F-9D02-E3454F0B3602}" type="datetime1">
+              <a:rPr lang="en-US" smtClean="0"/>
+              <a:t>2/21/17</a:t>
+            </a:fld>
+            <a:endParaRPr lang="en-US"/>
+          </a:p>
+        </p:txBody>
+      </p:sp>
+      <p:sp>
+        <p:nvSpPr>
+          <p:cNvPr id="5" name="Footer Placeholder 4"/>
+          <p:cNvSpPr>
+            <a:spLocks noGrp="1"/>
+          </p:cNvSpPr>
+          <p:nvPr>
+            <p:ph type="ftr" sz="quarter" idx="11"/>
+          </p:nvPr>
+        </p:nvSpPr>
+        <p:spPr/>
+        <p:txBody>
+          <a:bodyPr/>
+          <a:lstStyle/>
+          <a:p>
+            <a:r>
+              <a:rPr lang="en-US" smtClean="0"/>
+              <a:t>Developing Products with FreeBSD</a:t>
+            </a:r>
+            <a:endParaRPr lang="en-US" dirty="0"/>
+          </a:p>
+        </p:txBody>
+      </p:sp>
+      <p:sp>
+        <p:nvSpPr>
+          <p:cNvPr id="6" name="Slide Number Placeholder 5"/>
+          <p:cNvSpPr>
+            <a:spLocks noGrp="1"/>
+          </p:cNvSpPr>
+          <p:nvPr>
+            <p:ph type="sldNum" sz="quarter" idx="12"/>
+          </p:nvPr>
+        </p:nvSpPr>
+        <p:spPr/>
+        <p:txBody>
+          <a:bodyPr/>
+          <a:lstStyle/>
+          <a:p>
+            <a:fld id="{699C44C4-0FAD-8046-A5C4-05AB318FA424}" type="slidenum">
+              <a:rPr lang="en-US" smtClean="0"/>
+              <a:t>29</a:t>
+            </a:fld>
+            <a:endParaRPr lang="en-US"/>
+          </a:p>
+        </p:txBody>
+      </p:sp>
+    </p:spTree>
+    <p:extLst>
+      <p:ext uri="{BB962C8B-B14F-4D97-AF65-F5344CB8AC3E}">
+        <p14:creationId xmlns:p14="http://schemas.microsoft.com/office/powerpoint/2010/main" val="1870192276"/>
       </p:ext>
     </p:extLst>
   </p:cSld>
@@ -8209,6 +8388,195 @@
       </p:par>
     </p:tnLst>
   </p:timing>
+</p:sld>
+</file>
+
+<file path=ppt/slides/slide30.xml><?xml version="1.0" encoding="utf-8"?>
+<p:sld xmlns:a="http://schemas.openxmlformats.org/drawingml/2006/main" xmlns:r="http://schemas.openxmlformats.org/officeDocument/2006/relationships" xmlns:p="http://schemas.openxmlformats.org/presentationml/2006/main">
+  <p:cSld>
+    <p:spTree>
+      <p:nvGrpSpPr>
+        <p:cNvPr id="1" name=""/>
+        <p:cNvGrpSpPr/>
+        <p:nvPr/>
+      </p:nvGrpSpPr>
+      <p:grpSpPr>
+        <a:xfrm>
+          <a:off x="0" y="0"/>
+          <a:ext cx="0" cy="0"/>
+          <a:chOff x="0" y="0"/>
+          <a:chExt cx="0" cy="0"/>
+        </a:xfrm>
+      </p:grpSpPr>
+      <p:sp>
+        <p:nvSpPr>
+          <p:cNvPr id="2" name="Title 1"/>
+          <p:cNvSpPr>
+            <a:spLocks noGrp="1"/>
+          </p:cNvSpPr>
+          <p:nvPr>
+            <p:ph type="title"/>
+          </p:nvPr>
+        </p:nvSpPr>
+        <p:spPr/>
+        <p:txBody>
+          <a:bodyPr/>
+          <a:lstStyle/>
+          <a:p>
+            <a:r>
+              <a:rPr lang="en-US" dirty="0" smtClean="0"/>
+              <a:t>Tracing Review</a:t>
+            </a:r>
+            <a:endParaRPr lang="en-US" dirty="0"/>
+          </a:p>
+        </p:txBody>
+      </p:sp>
+      <p:sp>
+        <p:nvSpPr>
+          <p:cNvPr id="3" name="Content Placeholder 2"/>
+          <p:cNvSpPr>
+            <a:spLocks noGrp="1"/>
+          </p:cNvSpPr>
+          <p:nvPr>
+            <p:ph idx="1"/>
+          </p:nvPr>
+        </p:nvSpPr>
+        <p:spPr/>
+        <p:txBody>
+          <a:bodyPr/>
+          <a:lstStyle/>
+          <a:p>
+            <a:r>
+              <a:rPr lang="en-US" dirty="0" smtClean="0"/>
+              <a:t>What is </a:t>
+            </a:r>
+            <a:r>
+              <a:rPr lang="en-US" dirty="0" err="1" smtClean="0"/>
+              <a:t>DTrace</a:t>
+            </a:r>
+            <a:r>
+              <a:rPr lang="en-US" dirty="0" smtClean="0"/>
+              <a:t>?</a:t>
+            </a:r>
+          </a:p>
+          <a:p>
+            <a:r>
+              <a:rPr lang="en-US" dirty="0" smtClean="0"/>
+              <a:t>What can </a:t>
+            </a:r>
+            <a:r>
+              <a:rPr lang="en-US" dirty="0" err="1" smtClean="0"/>
+              <a:t>DTrace</a:t>
+            </a:r>
+            <a:r>
+              <a:rPr lang="en-US" dirty="0" smtClean="0"/>
+              <a:t> show me?</a:t>
+            </a:r>
+          </a:p>
+          <a:p>
+            <a:r>
+              <a:rPr lang="en-US" dirty="0" smtClean="0"/>
+              <a:t>What is D?</a:t>
+            </a:r>
+          </a:p>
+          <a:p>
+            <a:r>
+              <a:rPr lang="en-US" dirty="0" err="1" smtClean="0"/>
+              <a:t>DTrace</a:t>
+            </a:r>
+            <a:r>
+              <a:rPr lang="en-US" dirty="0" smtClean="0"/>
+              <a:t> One Liners</a:t>
+            </a:r>
+          </a:p>
+          <a:p>
+            <a:r>
+              <a:rPr lang="en-US" smtClean="0"/>
+              <a:t>Probe Effect</a:t>
+            </a:r>
+            <a:endParaRPr lang="en-US"/>
+          </a:p>
+        </p:txBody>
+      </p:sp>
+      <p:sp>
+        <p:nvSpPr>
+          <p:cNvPr id="4" name="Date Placeholder 3"/>
+          <p:cNvSpPr>
+            <a:spLocks noGrp="1"/>
+          </p:cNvSpPr>
+          <p:nvPr>
+            <p:ph type="dt" sz="half" idx="10"/>
+          </p:nvPr>
+        </p:nvSpPr>
+        <p:spPr/>
+        <p:txBody>
+          <a:bodyPr/>
+          <a:lstStyle/>
+          <a:p>
+            <a:fld id="{BC4AE5AA-C6FF-5A4F-9D02-E3454F0B3602}" type="datetime1">
+              <a:rPr lang="en-US" smtClean="0"/>
+              <a:t>2/21/17</a:t>
+            </a:fld>
+            <a:endParaRPr lang="en-US"/>
+          </a:p>
+        </p:txBody>
+      </p:sp>
+      <p:sp>
+        <p:nvSpPr>
+          <p:cNvPr id="5" name="Footer Placeholder 4"/>
+          <p:cNvSpPr>
+            <a:spLocks noGrp="1"/>
+          </p:cNvSpPr>
+          <p:nvPr>
+            <p:ph type="ftr" sz="quarter" idx="11"/>
+          </p:nvPr>
+        </p:nvSpPr>
+        <p:spPr/>
+        <p:txBody>
+          <a:bodyPr/>
+          <a:lstStyle/>
+          <a:p>
+            <a:r>
+              <a:rPr lang="en-US" smtClean="0"/>
+              <a:t>Developing Products with FreeBSD</a:t>
+            </a:r>
+            <a:endParaRPr lang="en-US" dirty="0"/>
+          </a:p>
+        </p:txBody>
+      </p:sp>
+      <p:sp>
+        <p:nvSpPr>
+          <p:cNvPr id="6" name="Slide Number Placeholder 5"/>
+          <p:cNvSpPr>
+            <a:spLocks noGrp="1"/>
+          </p:cNvSpPr>
+          <p:nvPr>
+            <p:ph type="sldNum" sz="quarter" idx="12"/>
+          </p:nvPr>
+        </p:nvSpPr>
+        <p:spPr/>
+        <p:txBody>
+          <a:bodyPr/>
+          <a:lstStyle/>
+          <a:p>
+            <a:fld id="{699C44C4-0FAD-8046-A5C4-05AB318FA424}" type="slidenum">
+              <a:rPr lang="en-US" smtClean="0"/>
+              <a:t>30</a:t>
+            </a:fld>
+            <a:endParaRPr lang="en-US"/>
+          </a:p>
+        </p:txBody>
+      </p:sp>
+    </p:spTree>
+    <p:extLst>
+      <p:ext uri="{BB962C8B-B14F-4D97-AF65-F5344CB8AC3E}">
+        <p14:creationId xmlns:p14="http://schemas.microsoft.com/office/powerpoint/2010/main" val="1301671151"/>
+      </p:ext>
+    </p:extLst>
+  </p:cSld>
+  <p:clrMapOvr>
+    <a:masterClrMapping/>
+  </p:clrMapOvr>
 </p:sld>
 </file>
 
@@ -8406,207 +8774,6 @@
       </p:sp>
       <p:sp>
         <p:nvSpPr>
-          <p:cNvPr id="3" name="Content Placeholder 2"/>
-          <p:cNvSpPr>
-            <a:spLocks noGrp="1"/>
-          </p:cNvSpPr>
-          <p:nvPr>
-            <p:ph idx="1"/>
-          </p:nvPr>
-        </p:nvSpPr>
-        <p:spPr/>
-        <p:txBody>
-          <a:bodyPr>
-            <a:normAutofit fontScale="47500" lnSpcReduction="20000"/>
-          </a:bodyPr>
-          <a:lstStyle/>
-          <a:p>
-            <a:r>
-              <a:rPr lang="en-US" dirty="0"/>
-              <a:t>1 </a:t>
-            </a:r>
-            <a:r>
-              <a:rPr lang="en-US" dirty="0" err="1"/>
-              <a:t>dtrace</a:t>
-            </a:r>
-            <a:r>
-              <a:rPr lang="en-US" dirty="0"/>
-              <a:t> −n </a:t>
-            </a:r>
-            <a:r>
-              <a:rPr lang="en-US" dirty="0" err="1"/>
-              <a:t>syscall</a:t>
-            </a:r>
-            <a:r>
-              <a:rPr lang="en-US" dirty="0"/>
-              <a:t> :::</a:t>
-            </a:r>
-          </a:p>
-          <a:p>
-            <a:r>
-              <a:rPr lang="en-US" dirty="0"/>
-              <a:t>2 </a:t>
-            </a:r>
-            <a:r>
-              <a:rPr lang="en-US" dirty="0" err="1"/>
-              <a:t>dtrace</a:t>
-            </a:r>
-            <a:r>
-              <a:rPr lang="en-US" dirty="0"/>
-              <a:t> : description ’ </a:t>
-            </a:r>
-            <a:r>
-              <a:rPr lang="en-US" dirty="0" err="1"/>
-              <a:t>syscall</a:t>
-            </a:r>
-            <a:r>
-              <a:rPr lang="en-US" dirty="0"/>
-              <a:t> : : : ’ matched 2148 probes</a:t>
-            </a:r>
-          </a:p>
-          <a:p>
-            <a:r>
-              <a:rPr lang="en-US" dirty="0"/>
-              <a:t>3 CPU</a:t>
-            </a:r>
-          </a:p>
-          <a:p>
-            <a:r>
-              <a:rPr lang="en-US" dirty="0"/>
-              <a:t>4 1</a:t>
-            </a:r>
-          </a:p>
-          <a:p>
-            <a:r>
-              <a:rPr lang="en-US" dirty="0"/>
-              <a:t>5 1</a:t>
-            </a:r>
-          </a:p>
-          <a:p>
-            <a:r>
-              <a:rPr lang="en-US" dirty="0"/>
-              <a:t>6 1</a:t>
-            </a:r>
-          </a:p>
-          <a:p>
-            <a:r>
-              <a:rPr lang="en-US" dirty="0"/>
-              <a:t>7 1</a:t>
-            </a:r>
-          </a:p>
-          <a:p>
-            <a:r>
-              <a:rPr lang="en-US" dirty="0"/>
-              <a:t>8 1</a:t>
-            </a:r>
-          </a:p>
-          <a:p>
-            <a:r>
-              <a:rPr lang="en-US" dirty="0"/>
-              <a:t>9 1</a:t>
-            </a:r>
-          </a:p>
-          <a:p>
-            <a:r>
-              <a:rPr lang="en-US" dirty="0"/>
-              <a:t>10 1</a:t>
-            </a:r>
-          </a:p>
-          <a:p>
-            <a:r>
-              <a:rPr lang="en-US" dirty="0"/>
-              <a:t>11 1</a:t>
-            </a:r>
-          </a:p>
-          <a:p>
-            <a:r>
-              <a:rPr lang="en-US" dirty="0"/>
-              <a:t>ID 51079 51078 51079 51078 51079 51632 51633 51784</a:t>
-            </a:r>
-          </a:p>
-          <a:p>
-            <a:r>
-              <a:rPr lang="en-US" dirty="0"/>
-              <a:t>FUNCTION : NAME </a:t>
-            </a:r>
-            <a:r>
-              <a:rPr lang="en-US" dirty="0" err="1"/>
-              <a:t>ioctl</a:t>
-            </a:r>
-            <a:r>
-              <a:rPr lang="en-US" dirty="0"/>
-              <a:t> :return </a:t>
-            </a:r>
-            <a:r>
-              <a:rPr lang="en-US" dirty="0" err="1"/>
-              <a:t>ioctl</a:t>
-            </a:r>
-            <a:r>
-              <a:rPr lang="en-US" dirty="0"/>
-              <a:t> : entry </a:t>
-            </a:r>
-            <a:r>
-              <a:rPr lang="en-US" dirty="0" err="1"/>
-              <a:t>ioctl</a:t>
-            </a:r>
-            <a:r>
-              <a:rPr lang="en-US" dirty="0"/>
-              <a:t> :return </a:t>
-            </a:r>
-            <a:r>
-              <a:rPr lang="en-US" dirty="0" err="1"/>
-              <a:t>ioctl</a:t>
-            </a:r>
-            <a:r>
-              <a:rPr lang="en-US" dirty="0"/>
-              <a:t> : entry </a:t>
-            </a:r>
-            <a:r>
-              <a:rPr lang="en-US" dirty="0" err="1"/>
-              <a:t>ioctl</a:t>
-            </a:r>
-            <a:r>
-              <a:rPr lang="en-US" dirty="0"/>
-              <a:t> :return </a:t>
-            </a:r>
-            <a:r>
-              <a:rPr lang="en-US" dirty="0" err="1"/>
-              <a:t>sigprocmask</a:t>
-            </a:r>
-            <a:r>
-              <a:rPr lang="en-US" dirty="0"/>
-              <a:t> : entry </a:t>
-            </a:r>
-            <a:r>
-              <a:rPr lang="en-US" dirty="0" err="1"/>
-              <a:t>sigprocmask</a:t>
-            </a:r>
-            <a:r>
-              <a:rPr lang="en-US" dirty="0"/>
-              <a:t> : return </a:t>
-            </a:r>
-            <a:r>
-              <a:rPr lang="en-US" dirty="0" err="1"/>
-              <a:t>sigaction</a:t>
-            </a:r>
-            <a:r>
-              <a:rPr lang="en-US" dirty="0"/>
-              <a:t> : entry</a:t>
-            </a:r>
-          </a:p>
-          <a:p>
-            <a:r>
-              <a:rPr lang="en-US" dirty="0"/>
-              <a:t>• Look at all system calls</a:t>
-            </a:r>
-          </a:p>
-          <a:p>
-            <a:endParaRPr lang="en-US" dirty="0"/>
-          </a:p>
-        </p:txBody>
-      </p:sp>
-      <p:sp>
-        <p:nvSpPr>
           <p:cNvPr id="4" name="Footer Placeholder 3"/>
           <p:cNvSpPr>
             <a:spLocks noGrp="1"/>
@@ -8887,55 +9054,18 @@
             </a:r>
             <a:r>
               <a:rPr lang="en-US" dirty="0"/>
-              <a:t>("write size % d\n", arg2); } ’ </a:t>
-            </a:r>
-            <a:r>
-              <a:rPr lang="en-US" dirty="0" err="1"/>
-              <a:t>dtrace</a:t>
-            </a:r>
-            <a:r>
-              <a:rPr lang="en-US" dirty="0"/>
-              <a:t>: description ’</a:t>
-            </a:r>
-            <a:r>
-              <a:rPr lang="en-US" dirty="0" err="1"/>
-              <a:t>syscall</a:t>
-            </a:r>
-            <a:r>
-              <a:rPr lang="en-US" dirty="0"/>
-              <a:t>::</a:t>
-            </a:r>
-            <a:r>
-              <a:rPr lang="en-US" dirty="0" err="1"/>
-              <a:t>write:entry</a:t>
-            </a:r>
-            <a:r>
-              <a:rPr lang="en-US" dirty="0"/>
-              <a:t> ’ matched 2 probes</a:t>
-            </a:r>
-          </a:p>
-          <a:p>
-            <a:r>
-              <a:rPr lang="en-US" dirty="0"/>
-              <a:t>            CPU 50978</a:t>
-            </a:r>
-          </a:p>
-          <a:p>
-            <a:r>
-              <a:rPr lang="en-US" dirty="0"/>
-              <a:t>write : entry write : entry write : entry</a:t>
-            </a:r>
-          </a:p>
-          <a:p>
-            <a:r>
-              <a:rPr lang="en-US" dirty="0"/>
-              <a:t>write write write</a:t>
-            </a:r>
-          </a:p>
-          <a:p>
-            <a:r>
-              <a:rPr lang="en-US" dirty="0"/>
-              <a:t>size 1 size 55 size 2</a:t>
+              <a:t>("write size % d\n", arg2); } </a:t>
+            </a:r>
+            <a:r>
+              <a:rPr lang="en-US" dirty="0" smtClean="0"/>
+              <a:t>’</a:t>
+            </a:r>
+            <a:endParaRPr lang="en-US" dirty="0"/>
+          </a:p>
+          <a:p>
+            <a:r>
+              <a:rPr lang="en-US" dirty="0"/>
+              <a:t>  </a:t>
             </a:r>
           </a:p>
         </p:txBody>
